--- a/webscraping_5_29_2019.pptx
+++ b/webscraping_5_29_2019.pptx
@@ -5,16 +5,18 @@
     <p:sldMasterId id="2147483648" r:id="rId1"/>
   </p:sldMasterIdLst>
   <p:notesMasterIdLst>
-    <p:notesMasterId r:id="rId9"/>
+    <p:notesMasterId r:id="rId11"/>
   </p:notesMasterIdLst>
   <p:sldIdLst>
     <p:sldId id="256" r:id="rId2"/>
     <p:sldId id="262" r:id="rId3"/>
     <p:sldId id="263" r:id="rId4"/>
     <p:sldId id="264" r:id="rId5"/>
-    <p:sldId id="261" r:id="rId6"/>
-    <p:sldId id="260" r:id="rId7"/>
-    <p:sldId id="258" r:id="rId8"/>
+    <p:sldId id="265" r:id="rId6"/>
+    <p:sldId id="261" r:id="rId7"/>
+    <p:sldId id="268" r:id="rId8"/>
+    <p:sldId id="258" r:id="rId9"/>
+    <p:sldId id="269" r:id="rId10"/>
   </p:sldIdLst>
   <p:sldSz cx="12192000" cy="6858000"/>
   <p:notesSz cx="6858000" cy="9144000"/>
@@ -113,6 +115,11 @@
       </a:defRPr>
     </a:lvl9pPr>
   </p:defaultTextStyle>
+  <p:extLst>
+    <p:ext uri="{EFAFB233-063F-42B5-8137-9DF3F51BA10A}">
+      <p15:sldGuideLst xmlns:p15="http://schemas.microsoft.com/office/powerpoint/2012/main"/>
+    </p:ext>
+  </p:extLst>
 </p:presentation>
 </file>
 
@@ -530,7 +537,7 @@
           <a:p>
             <a:fld id="{8B2D5AAC-8AD6-B543-BAED-5655BAFA0EAB}" type="slidenum">
               <a:rPr lang="en-US" smtClean="0"/>
-              <a:t>7</a:t>
+              <a:t>8</a:t>
             </a:fld>
             <a:endParaRPr lang="en-US"/>
           </a:p>
@@ -3763,53 +3770,90 @@
           <a:chExt cx="0" cy="0"/>
         </a:xfrm>
       </p:grpSpPr>
-      <p:sp>
-        <p:nvSpPr>
-          <p:cNvPr id="2" name="Title 1">
-            <a:extLst>
-              <a:ext uri="{FF2B5EF4-FFF2-40B4-BE49-F238E27FC236}">
-                <a16:creationId xmlns:a16="http://schemas.microsoft.com/office/drawing/2014/main" id="{35F3B9DB-FAAB-B94A-8512-0029349A15FC}"/>
-              </a:ext>
-            </a:extLst>
-          </p:cNvPr>
-          <p:cNvSpPr>
-            <a:spLocks noGrp="1"/>
-          </p:cNvSpPr>
-          <p:nvPr>
-            <p:ph type="ctrTitle"/>
-          </p:nvPr>
-        </p:nvSpPr>
-        <p:spPr/>
-        <p:txBody>
-          <a:bodyPr/>
-          <a:lstStyle/>
-          <a:p>
-            <a:r>
-              <a:rPr lang="en-US" dirty="0"/>
-              <a:t>Web scraping</a:t>
-            </a:r>
-          </a:p>
-        </p:txBody>
-      </p:sp>
-      <p:sp>
-        <p:nvSpPr>
-          <p:cNvPr id="3" name="Subtitle 2">
-            <a:extLst>
-              <a:ext uri="{FF2B5EF4-FFF2-40B4-BE49-F238E27FC236}">
-                <a16:creationId xmlns:a16="http://schemas.microsoft.com/office/drawing/2014/main" id="{373C2E59-8C95-0043-AD1E-352DA4DDE776}"/>
-              </a:ext>
-            </a:extLst>
-          </p:cNvPr>
-          <p:cNvSpPr>
-            <a:spLocks noGrp="1"/>
-          </p:cNvSpPr>
-          <p:nvPr>
-            <p:ph type="subTitle" idx="1"/>
-          </p:nvPr>
-        </p:nvSpPr>
+      <p:pic>
+        <p:nvPicPr>
+          <p:cNvPr id="4" name="Picture 3">
+            <a:extLst>
+              <a:ext uri="{FF2B5EF4-FFF2-40B4-BE49-F238E27FC236}">
+                <a16:creationId xmlns:a16="http://schemas.microsoft.com/office/drawing/2014/main" id="{D9D691BE-FB20-7A43-A70C-AEE87497DDEE}"/>
+              </a:ext>
+            </a:extLst>
+          </p:cNvPr>
+          <p:cNvPicPr>
+            <a:picLocks noChangeAspect="1"/>
+          </p:cNvPicPr>
+          <p:nvPr/>
+        </p:nvPicPr>
+        <p:blipFill>
+          <a:blip r:embed="rId2">
+            <a:alphaModFix amt="50000"/>
+          </a:blip>
+          <a:stretch>
+            <a:fillRect/>
+          </a:stretch>
+        </p:blipFill>
         <p:spPr>
           <a:xfrm>
-            <a:off x="1524000" y="4516438"/>
+            <a:off x="-762000" y="0"/>
+            <a:ext cx="13716000" cy="6858000"/>
+          </a:xfrm>
+          <a:prstGeom prst="rect">
+            <a:avLst/>
+          </a:prstGeom>
+        </p:spPr>
+      </p:pic>
+      <p:sp>
+        <p:nvSpPr>
+          <p:cNvPr id="2" name="Title 1">
+            <a:extLst>
+              <a:ext uri="{FF2B5EF4-FFF2-40B4-BE49-F238E27FC236}">
+                <a16:creationId xmlns:a16="http://schemas.microsoft.com/office/drawing/2014/main" id="{35F3B9DB-FAAB-B94A-8512-0029349A15FC}"/>
+              </a:ext>
+            </a:extLst>
+          </p:cNvPr>
+          <p:cNvSpPr>
+            <a:spLocks noGrp="1"/>
+          </p:cNvSpPr>
+          <p:nvPr>
+            <p:ph type="ctrTitle"/>
+          </p:nvPr>
+        </p:nvSpPr>
+        <p:spPr>
+          <a:xfrm>
+            <a:off x="4954384" y="274465"/>
+            <a:ext cx="6362007" cy="1219199"/>
+          </a:xfrm>
+        </p:spPr>
+        <p:txBody>
+          <a:bodyPr/>
+          <a:lstStyle/>
+          <a:p>
+            <a:r>
+              <a:rPr lang="en-US" b="1" dirty="0"/>
+              <a:t>Web scraping</a:t>
+            </a:r>
+          </a:p>
+        </p:txBody>
+      </p:sp>
+      <p:sp>
+        <p:nvSpPr>
+          <p:cNvPr id="3" name="Subtitle 2">
+            <a:extLst>
+              <a:ext uri="{FF2B5EF4-FFF2-40B4-BE49-F238E27FC236}">
+                <a16:creationId xmlns:a16="http://schemas.microsoft.com/office/drawing/2014/main" id="{373C2E59-8C95-0043-AD1E-352DA4DDE776}"/>
+              </a:ext>
+            </a:extLst>
+          </p:cNvPr>
+          <p:cNvSpPr>
+            <a:spLocks noGrp="1"/>
+          </p:cNvSpPr>
+          <p:nvPr>
+            <p:ph type="subTitle" idx="1"/>
+          </p:nvPr>
+        </p:nvSpPr>
+        <p:spPr>
+          <a:xfrm>
+            <a:off x="382384" y="5202238"/>
             <a:ext cx="9144000" cy="1655762"/>
           </a:xfrm>
         </p:spPr>
@@ -3904,7 +3948,7 @@
           <a:p>
             <a:r>
               <a:rPr lang="en-US" dirty="0"/>
-              <a:t>Some times the perfect data set that you are seeking is readily available online!</a:t>
+              <a:t>Some times the perfect data set that you are seeking is free and readily available online!</a:t>
             </a:r>
             <a:br>
               <a:rPr lang="en-US" dirty="0"/>
@@ -3973,7 +4017,7 @@
           <a:p>
             <a:r>
               <a:rPr lang="en-US" dirty="0"/>
-              <a:t>Some data sets are available in R packages</a:t>
+              <a:t>Some data sets are available in R packages…</a:t>
             </a:r>
             <a:br>
               <a:rPr lang="en-US" dirty="0"/>
@@ -4131,8 +4175,8 @@
           <a:lstStyle/>
           <a:p>
             <a:r>
-              <a:rPr lang="en-US"/>
-              <a:t>Others are… </a:t>
+              <a:rPr lang="en-US" dirty="0"/>
+              <a:t>Others are available online via other means… </a:t>
             </a:r>
             <a:br>
               <a:rPr lang="en-US" dirty="0"/>
@@ -4163,8 +4207,68 @@
         </p:blipFill>
         <p:spPr>
           <a:xfrm>
-            <a:off x="642752" y="2061441"/>
+            <a:off x="266700" y="1797037"/>
             <a:ext cx="5829300" cy="2070100"/>
+          </a:xfrm>
+          <a:prstGeom prst="rect">
+            <a:avLst/>
+          </a:prstGeom>
+        </p:spPr>
+      </p:pic>
+      <p:pic>
+        <p:nvPicPr>
+          <p:cNvPr id="3" name="Picture 2">
+            <a:extLst>
+              <a:ext uri="{FF2B5EF4-FFF2-40B4-BE49-F238E27FC236}">
+                <a16:creationId xmlns:a16="http://schemas.microsoft.com/office/drawing/2014/main" id="{1FCD7595-C6AB-B142-8174-337D078493AF}"/>
+              </a:ext>
+            </a:extLst>
+          </p:cNvPr>
+          <p:cNvPicPr>
+            <a:picLocks noChangeAspect="1"/>
+          </p:cNvPicPr>
+          <p:nvPr/>
+        </p:nvPicPr>
+        <p:blipFill>
+          <a:blip r:embed="rId3"/>
+          <a:stretch>
+            <a:fillRect/>
+          </a:stretch>
+        </p:blipFill>
+        <p:spPr>
+          <a:xfrm>
+            <a:off x="5521376" y="3013366"/>
+            <a:ext cx="5043813" cy="1707541"/>
+          </a:xfrm>
+          <a:prstGeom prst="rect">
+            <a:avLst/>
+          </a:prstGeom>
+        </p:spPr>
+      </p:pic>
+      <p:pic>
+        <p:nvPicPr>
+          <p:cNvPr id="4" name="Picture 3">
+            <a:extLst>
+              <a:ext uri="{FF2B5EF4-FFF2-40B4-BE49-F238E27FC236}">
+                <a16:creationId xmlns:a16="http://schemas.microsoft.com/office/drawing/2014/main" id="{0F7758ED-2927-DB4A-A909-E2D88CD90AB9}"/>
+              </a:ext>
+            </a:extLst>
+          </p:cNvPr>
+          <p:cNvPicPr>
+            <a:picLocks noChangeAspect="1"/>
+          </p:cNvPicPr>
+          <p:nvPr/>
+        </p:nvPicPr>
+        <p:blipFill>
+          <a:blip r:embed="rId4"/>
+          <a:stretch>
+            <a:fillRect/>
+          </a:stretch>
+        </p:blipFill>
+        <p:spPr>
+          <a:xfrm>
+            <a:off x="2133691" y="4838879"/>
+            <a:ext cx="4743706" cy="1808374"/>
           </a:xfrm>
           <a:prstGeom prst="rect">
             <a:avLst/>
@@ -4206,7 +4310,7 @@
           <p:cNvPr id="2" name="Title 1">
             <a:extLst>
               <a:ext uri="{FF2B5EF4-FFF2-40B4-BE49-F238E27FC236}">
-                <a16:creationId xmlns:a16="http://schemas.microsoft.com/office/drawing/2014/main" id="{4078B4F0-BD50-B240-8480-4BDBE501BF29}"/>
+                <a16:creationId xmlns:a16="http://schemas.microsoft.com/office/drawing/2014/main" id="{6B11C678-095E-2744-AEFF-7DBD63A3B206}"/>
               </a:ext>
             </a:extLst>
           </p:cNvPr>
@@ -4219,25 +4323,31 @@
         </p:nvSpPr>
         <p:spPr>
           <a:xfrm>
-            <a:off x="838200" y="2631247"/>
-            <a:ext cx="10515600" cy="1325563"/>
+            <a:off x="581841" y="2625106"/>
+            <a:ext cx="11028317" cy="1863767"/>
           </a:xfrm>
         </p:spPr>
         <p:txBody>
-          <a:bodyPr/>
+          <a:bodyPr>
+            <a:normAutofit fontScale="90000"/>
+          </a:bodyPr>
           <a:lstStyle/>
           <a:p>
             <a:r>
               <a:rPr lang="en-US" dirty="0"/>
-              <a:t>What is web scraping?</a:t>
-            </a:r>
+              <a:t>But some times it’s not and you need to retrieve the data from the web yourself…</a:t>
+            </a:r>
+            <a:br>
+              <a:rPr lang="en-US" dirty="0"/>
+            </a:br>
+            <a:endParaRPr lang="en-US" dirty="0"/>
           </a:p>
         </p:txBody>
       </p:sp>
     </p:spTree>
     <p:extLst>
       <p:ext uri="{BB962C8B-B14F-4D97-AF65-F5344CB8AC3E}">
-        <p14:creationId xmlns:p14="http://schemas.microsoft.com/office/powerpoint/2010/main" val="2331082187"/>
+        <p14:creationId xmlns:p14="http://schemas.microsoft.com/office/powerpoint/2010/main" val="3134271395"/>
       </p:ext>
     </p:extLst>
   </p:cSld>
@@ -4269,7 +4379,7 @@
           <p:cNvPr id="2" name="Title 1">
             <a:extLst>
               <a:ext uri="{FF2B5EF4-FFF2-40B4-BE49-F238E27FC236}">
-                <a16:creationId xmlns:a16="http://schemas.microsoft.com/office/drawing/2014/main" id="{17882335-59B6-004A-8931-7453315381B9}"/>
+                <a16:creationId xmlns:a16="http://schemas.microsoft.com/office/drawing/2014/main" id="{4078B4F0-BD50-B240-8480-4BDBE501BF29}"/>
               </a:ext>
             </a:extLst>
           </p:cNvPr>
@@ -4280,47 +4390,57 @@
             <p:ph type="title"/>
           </p:nvPr>
         </p:nvSpPr>
-        <p:spPr/>
+        <p:spPr>
+          <a:xfrm>
+            <a:off x="550333" y="1005647"/>
+            <a:ext cx="10515600" cy="1325563"/>
+          </a:xfrm>
+        </p:spPr>
         <p:txBody>
           <a:bodyPr/>
           <a:lstStyle/>
           <a:p>
             <a:r>
               <a:rPr lang="en-US" dirty="0"/>
-              <a:t>Why would this skill be useful?</a:t>
-            </a:r>
-          </a:p>
-        </p:txBody>
-      </p:sp>
-      <p:sp>
-        <p:nvSpPr>
-          <p:cNvPr id="3" name="Content Placeholder 2">
-            <a:extLst>
-              <a:ext uri="{FF2B5EF4-FFF2-40B4-BE49-F238E27FC236}">
-                <a16:creationId xmlns:a16="http://schemas.microsoft.com/office/drawing/2014/main" id="{D4E910EC-407C-5348-A953-D3D48E9956B5}"/>
-              </a:ext>
-            </a:extLst>
-          </p:cNvPr>
-          <p:cNvSpPr>
-            <a:spLocks noGrp="1"/>
-          </p:cNvSpPr>
-          <p:nvPr>
-            <p:ph idx="1"/>
-          </p:nvPr>
-        </p:nvSpPr>
-        <p:spPr/>
-        <p:txBody>
-          <a:bodyPr/>
-          <a:lstStyle/>
-          <a:p>
-            <a:endParaRPr lang="en-US"/>
-          </a:p>
-        </p:txBody>
-      </p:sp>
+              <a:t>What is web scraping?</a:t>
+            </a:r>
+          </a:p>
+        </p:txBody>
+      </p:sp>
+      <p:pic>
+        <p:nvPicPr>
+          <p:cNvPr id="3" name="Picture 2">
+            <a:extLst>
+              <a:ext uri="{FF2B5EF4-FFF2-40B4-BE49-F238E27FC236}">
+                <a16:creationId xmlns:a16="http://schemas.microsoft.com/office/drawing/2014/main" id="{3947563C-9591-2140-B81D-C1D0450E537B}"/>
+              </a:ext>
+            </a:extLst>
+          </p:cNvPr>
+          <p:cNvPicPr>
+            <a:picLocks noChangeAspect="1"/>
+          </p:cNvPicPr>
+          <p:nvPr/>
+        </p:nvPicPr>
+        <p:blipFill>
+          <a:blip r:embed="rId2"/>
+          <a:stretch>
+            <a:fillRect/>
+          </a:stretch>
+        </p:blipFill>
+        <p:spPr>
+          <a:xfrm>
+            <a:off x="1660781" y="2331210"/>
+            <a:ext cx="8870437" cy="3019723"/>
+          </a:xfrm>
+          <a:prstGeom prst="rect">
+            <a:avLst/>
+          </a:prstGeom>
+        </p:spPr>
+      </p:pic>
     </p:spTree>
     <p:extLst>
       <p:ext uri="{BB962C8B-B14F-4D97-AF65-F5344CB8AC3E}">
-        <p14:creationId xmlns:p14="http://schemas.microsoft.com/office/powerpoint/2010/main" val="1357812655"/>
+        <p14:creationId xmlns:p14="http://schemas.microsoft.com/office/powerpoint/2010/main" val="2331082187"/>
       </p:ext>
     </p:extLst>
   </p:cSld>
@@ -4352,6 +4472,104 @@
           <p:cNvPr id="2" name="Title 1">
             <a:extLst>
               <a:ext uri="{FF2B5EF4-FFF2-40B4-BE49-F238E27FC236}">
+                <a16:creationId xmlns:a16="http://schemas.microsoft.com/office/drawing/2014/main" id="{BAC7D754-4F3E-AA49-B52E-AA2D007BD617}"/>
+              </a:ext>
+            </a:extLst>
+          </p:cNvPr>
+          <p:cNvSpPr>
+            <a:spLocks noGrp="1"/>
+          </p:cNvSpPr>
+          <p:nvPr>
+            <p:ph type="title"/>
+          </p:nvPr>
+        </p:nvSpPr>
+        <p:spPr/>
+        <p:txBody>
+          <a:bodyPr/>
+          <a:lstStyle/>
+          <a:p>
+            <a:r>
+              <a:rPr lang="en-US" dirty="0"/>
+              <a:t>Beautiful Soup (bs4)</a:t>
+            </a:r>
+          </a:p>
+        </p:txBody>
+      </p:sp>
+      <p:sp>
+        <p:nvSpPr>
+          <p:cNvPr id="3" name="Content Placeholder 2">
+            <a:extLst>
+              <a:ext uri="{FF2B5EF4-FFF2-40B4-BE49-F238E27FC236}">
+                <a16:creationId xmlns:a16="http://schemas.microsoft.com/office/drawing/2014/main" id="{8727C5B3-8D42-6A4A-82E9-553C921DB017}"/>
+              </a:ext>
+            </a:extLst>
+          </p:cNvPr>
+          <p:cNvSpPr>
+            <a:spLocks noGrp="1"/>
+          </p:cNvSpPr>
+          <p:nvPr>
+            <p:ph idx="1"/>
+          </p:nvPr>
+        </p:nvSpPr>
+        <p:spPr/>
+        <p:txBody>
+          <a:bodyPr/>
+          <a:lstStyle/>
+          <a:p>
+            <a:r>
+              <a:rPr lang="en-US" dirty="0"/>
+              <a:t>Python library for extracting data from HTML files</a:t>
+            </a:r>
+          </a:p>
+          <a:p>
+            <a:r>
+              <a:rPr lang="en-US" dirty="0">
+                <a:hlinkClick r:id="rId2"/>
+              </a:rPr>
+              <a:t>https://www.crummy.com/software/BeautifulSoup/bs4/doc/</a:t>
+            </a:r>
+            <a:endParaRPr lang="en-US" dirty="0"/>
+          </a:p>
+          <a:p>
+            <a:endParaRPr lang="en-US" dirty="0"/>
+          </a:p>
+        </p:txBody>
+      </p:sp>
+    </p:spTree>
+    <p:extLst>
+      <p:ext uri="{BB962C8B-B14F-4D97-AF65-F5344CB8AC3E}">
+        <p14:creationId xmlns:p14="http://schemas.microsoft.com/office/powerpoint/2010/main" val="555359239"/>
+      </p:ext>
+    </p:extLst>
+  </p:cSld>
+  <p:clrMapOvr>
+    <a:masterClrMapping/>
+  </p:clrMapOvr>
+</p:sld>
+</file>
+
+<file path=ppt/slides/slide8.xml><?xml version="1.0" encoding="utf-8"?>
+<p:sld xmlns:a="http://schemas.openxmlformats.org/drawingml/2006/main" xmlns:r="http://schemas.openxmlformats.org/officeDocument/2006/relationships" xmlns:p="http://schemas.openxmlformats.org/presentationml/2006/main">
+  <p:cSld>
+    <p:spTree>
+      <p:nvGrpSpPr>
+        <p:cNvPr id="1" name=""/>
+        <p:cNvGrpSpPr/>
+        <p:nvPr/>
+      </p:nvGrpSpPr>
+      <p:grpSpPr>
+        <a:xfrm>
+          <a:off x="0" y="0"/>
+          <a:ext cx="0" cy="0"/>
+          <a:chOff x="0" y="0"/>
+          <a:chExt cx="0" cy="0"/>
+        </a:xfrm>
+      </p:grpSpPr>
+      <p:sp>
+        <p:nvSpPr>
+          <p:cNvPr id="2" name="Title 1">
+            <a:extLst>
+              <a:ext uri="{FF2B5EF4-FFF2-40B4-BE49-F238E27FC236}">
                 <a16:creationId xmlns:a16="http://schemas.microsoft.com/office/drawing/2014/main" id="{EE088436-6827-694F-837F-DFFCA6D8E325}"/>
               </a:ext>
             </a:extLst>
@@ -4375,7 +4593,15 @@
           <a:p>
             <a:r>
               <a:rPr lang="en-US" dirty="0"/>
-              <a:t>Web Scraping with Beautiful Soup</a:t>
+              <a:t>Web Scraping </a:t>
+            </a:r>
+            <a:r>
+              <a:rPr lang="en-US" dirty="0" err="1"/>
+              <a:t>CogSci</a:t>
+            </a:r>
+            <a:r>
+              <a:rPr lang="en-US" dirty="0"/>
+              <a:t> with Beautiful Soup</a:t>
             </a:r>
           </a:p>
         </p:txBody>
@@ -5982,6 +6208,64 @@
 </p:sld>
 </file>
 
+<file path=ppt/slides/slide9.xml><?xml version="1.0" encoding="utf-8"?>
+<p:sld xmlns:a="http://schemas.openxmlformats.org/drawingml/2006/main" xmlns:r="http://schemas.openxmlformats.org/officeDocument/2006/relationships" xmlns:p="http://schemas.openxmlformats.org/presentationml/2006/main">
+  <p:cSld>
+    <p:spTree>
+      <p:nvGrpSpPr>
+        <p:cNvPr id="1" name=""/>
+        <p:cNvGrpSpPr/>
+        <p:nvPr/>
+      </p:nvGrpSpPr>
+      <p:grpSpPr>
+        <a:xfrm>
+          <a:off x="0" y="0"/>
+          <a:ext cx="0" cy="0"/>
+          <a:chOff x="0" y="0"/>
+          <a:chExt cx="0" cy="0"/>
+        </a:xfrm>
+      </p:grpSpPr>
+      <p:sp>
+        <p:nvSpPr>
+          <p:cNvPr id="2" name="Title 1">
+            <a:extLst>
+              <a:ext uri="{FF2B5EF4-FFF2-40B4-BE49-F238E27FC236}">
+                <a16:creationId xmlns:a16="http://schemas.microsoft.com/office/drawing/2014/main" id="{10F4E1E1-B537-054E-8ACC-6FC9C984EA88}"/>
+              </a:ext>
+            </a:extLst>
+          </p:cNvPr>
+          <p:cNvSpPr>
+            <a:spLocks noGrp="1"/>
+          </p:cNvSpPr>
+          <p:nvPr>
+            <p:ph type="title"/>
+          </p:nvPr>
+        </p:nvSpPr>
+        <p:spPr/>
+        <p:txBody>
+          <a:bodyPr/>
+          <a:lstStyle/>
+          <a:p>
+            <a:r>
+              <a:rPr lang="en-US" dirty="0"/>
+              <a:t>Tutorial</a:t>
+            </a:r>
+          </a:p>
+        </p:txBody>
+      </p:sp>
+    </p:spTree>
+    <p:extLst>
+      <p:ext uri="{BB962C8B-B14F-4D97-AF65-F5344CB8AC3E}">
+        <p14:creationId xmlns:p14="http://schemas.microsoft.com/office/powerpoint/2010/main" val="477690953"/>
+      </p:ext>
+    </p:extLst>
+  </p:cSld>
+  <p:clrMapOvr>
+    <a:masterClrMapping/>
+  </p:clrMapOvr>
+</p:sld>
+</file>
+
 <file path=ppt/theme/theme1.xml><?xml version="1.0" encoding="utf-8"?>
 <a:theme xmlns:a="http://schemas.openxmlformats.org/drawingml/2006/main" name="Office Theme">
   <a:themeElements>
